--- a/Cultura e letteratura italiana nel mondo crossmediale.pptx
+++ b/Cultura e letteratura italiana nel mondo crossmediale.pptx
@@ -5,10 +5,10 @@
     <p:sldMasterId id="2147483648" r:id="rId4"/>
   </p:sldMasterIdLst>
   <p:notesMasterIdLst>
-    <p:notesMasterId r:id="rId10"/>
+    <p:notesMasterId r:id="rId11"/>
   </p:notesMasterIdLst>
   <p:handoutMasterIdLst>
-    <p:handoutMasterId r:id="rId11"/>
+    <p:handoutMasterId r:id="rId12"/>
   </p:handoutMasterIdLst>
   <p:sldIdLst>
     <p:sldId id="256" r:id="rId5"/>
@@ -16,6 +16,7 @@
     <p:sldId id="260" r:id="rId7"/>
     <p:sldId id="259" r:id="rId8"/>
     <p:sldId id="286" r:id="rId9"/>
+    <p:sldId id="287" r:id="rId10"/>
   </p:sldIdLst>
   <p:sldSz cx="12192000" cy="6858000"/>
   <p:notesSz cx="6858000" cy="9144000"/>
@@ -232,7 +233,7 @@
             <a:pPr rtl="0"/>
             <a:fld id="{560EB8EC-2989-478B-A119-A49A46B3724F}" type="datetime1">
               <a:rPr lang="it-IT" smtClean="0"/>
-              <a:t>18/06/2023</a:t>
+              <a:t>20/06/2023</a:t>
             </a:fld>
             <a:endParaRPr lang="it-IT" dirty="0"/>
           </a:p>
@@ -413,7 +414,7 @@
             <a:fld id="{F4FD70A2-FDA8-42ED-8103-5810B0BFD2D7}" type="datetime1">
               <a:rPr lang="it-IT" smtClean="0"/>
               <a:pPr/>
-              <a:t>18/06/2023</a:t>
+              <a:t>20/06/2023</a:t>
             </a:fld>
             <a:endParaRPr lang="it-IT" dirty="0"/>
           </a:p>
@@ -1108,6 +1109,91 @@
 </p:notes>
 </file>
 
+<file path=ppt/notesSlides/notesSlide6.xml><?xml version="1.0" encoding="utf-8"?>
+<p:notes xmlns:a="http://schemas.openxmlformats.org/drawingml/2006/main" xmlns:r="http://schemas.openxmlformats.org/officeDocument/2006/relationships" xmlns:p="http://schemas.openxmlformats.org/presentationml/2006/main">
+  <p:cSld>
+    <p:spTree>
+      <p:nvGrpSpPr>
+        <p:cNvPr id="1" name=""/>
+        <p:cNvGrpSpPr/>
+        <p:nvPr/>
+      </p:nvGrpSpPr>
+      <p:grpSpPr>
+        <a:xfrm>
+          <a:off x="0" y="0"/>
+          <a:ext cx="0" cy="0"/>
+          <a:chOff x="0" y="0"/>
+          <a:chExt cx="0" cy="0"/>
+        </a:xfrm>
+      </p:grpSpPr>
+      <p:sp>
+        <p:nvSpPr>
+          <p:cNvPr id="2" name="Segnaposto immagine diapositiva 1"/>
+          <p:cNvSpPr>
+            <a:spLocks noGrp="1" noRot="1" noChangeAspect="1"/>
+          </p:cNvSpPr>
+          <p:nvPr>
+            <p:ph type="sldImg"/>
+          </p:nvPr>
+        </p:nvSpPr>
+        <p:spPr/>
+      </p:sp>
+      <p:sp>
+        <p:nvSpPr>
+          <p:cNvPr id="3" name="Segnaposto note 2"/>
+          <p:cNvSpPr>
+            <a:spLocks noGrp="1"/>
+          </p:cNvSpPr>
+          <p:nvPr>
+            <p:ph type="body" idx="1"/>
+          </p:nvPr>
+        </p:nvSpPr>
+        <p:spPr/>
+        <p:txBody>
+          <a:bodyPr/>
+          <a:lstStyle/>
+          <a:p>
+            <a:endParaRPr lang="it-IT" dirty="0"/>
+          </a:p>
+        </p:txBody>
+      </p:sp>
+      <p:sp>
+        <p:nvSpPr>
+          <p:cNvPr id="4" name="Segnaposto numero diapositiva 3"/>
+          <p:cNvSpPr>
+            <a:spLocks noGrp="1"/>
+          </p:cNvSpPr>
+          <p:nvPr>
+            <p:ph type="sldNum" sz="quarter" idx="10"/>
+          </p:nvPr>
+        </p:nvSpPr>
+        <p:spPr/>
+        <p:txBody>
+          <a:bodyPr/>
+          <a:lstStyle/>
+          <a:p>
+            <a:pPr rtl="0"/>
+            <a:fld id="{A34B48B0-85B2-40C4-A05A-571C99C8AB57}" type="slidenum">
+              <a:rPr lang="it-IT" smtClean="0"/>
+              <a:t>6</a:t>
+            </a:fld>
+            <a:endParaRPr lang="it-IT" dirty="0"/>
+          </a:p>
+        </p:txBody>
+      </p:sp>
+    </p:spTree>
+    <p:extLst>
+      <p:ext uri="{BB962C8B-B14F-4D97-AF65-F5344CB8AC3E}">
+        <p14:creationId xmlns:p14="http://schemas.microsoft.com/office/powerpoint/2010/main" val="964062925"/>
+      </p:ext>
+    </p:extLst>
+  </p:cSld>
+  <p:clrMapOvr>
+    <a:masterClrMapping/>
+  </p:clrMapOvr>
+</p:notes>
+</file>
+
 <file path=ppt/slideLayouts/slideLayout1.xml><?xml version="1.0" encoding="utf-8"?>
 <p:sldLayout xmlns:a="http://schemas.openxmlformats.org/drawingml/2006/main" xmlns:r="http://schemas.openxmlformats.org/officeDocument/2006/relationships" xmlns:p="http://schemas.openxmlformats.org/presentationml/2006/main" preserve="1" userDrawn="1">
   <p:cSld name="Diapositiva titolo con logo">
@@ -1661,7 +1747,7 @@
             <a:pPr rtl="0"/>
             <a:fld id="{F7646247-E037-4C3E-A302-27273E853C96}" type="datetime1">
               <a:rPr lang="it-IT" noProof="0" smtClean="0"/>
-              <a:t>18/06/2023</a:t>
+              <a:t>20/06/2023</a:t>
             </a:fld>
             <a:endParaRPr lang="it-IT" noProof="0" dirty="0"/>
           </a:p>
@@ -2528,7 +2614,7 @@
             <a:pPr rtl="0"/>
             <a:fld id="{5A3FF0D3-EDFB-42B1-96DA-50FE5BB8D1D9}" type="datetime1">
               <a:rPr lang="it-IT" noProof="0" smtClean="0"/>
-              <a:t>18/06/2023</a:t>
+              <a:t>20/06/2023</a:t>
             </a:fld>
             <a:endParaRPr lang="it-IT" noProof="0" dirty="0"/>
           </a:p>
@@ -4022,7 +4108,7 @@
             <a:pPr rtl="0"/>
             <a:fld id="{338CE6FD-E445-4B4D-9BC9-D0671AC46CF3}" type="datetime1">
               <a:rPr lang="it-IT" noProof="0" smtClean="0"/>
-              <a:t>18/06/2023</a:t>
+              <a:t>20/06/2023</a:t>
             </a:fld>
             <a:endParaRPr lang="it-IT" noProof="0" dirty="0"/>
           </a:p>
@@ -4754,7 +4840,7 @@
             <a:pPr rtl="0"/>
             <a:fld id="{FB880B0C-ECBE-44BE-8913-C8DBC49A43E0}" type="datetime1">
               <a:rPr lang="it-IT" noProof="0" smtClean="0"/>
-              <a:t>18/06/2023</a:t>
+              <a:t>20/06/2023</a:t>
             </a:fld>
             <a:endParaRPr lang="it-IT" noProof="0" dirty="0"/>
           </a:p>
@@ -5881,7 +5967,7 @@
             <a:pPr rtl="0"/>
             <a:fld id="{E44F18AF-A831-41FF-86BE-C8BB0D43786B}" type="datetime1">
               <a:rPr lang="it-IT" noProof="0" smtClean="0"/>
-              <a:t>18/06/2023</a:t>
+              <a:t>20/06/2023</a:t>
             </a:fld>
             <a:endParaRPr lang="it-IT" noProof="0" dirty="0"/>
           </a:p>
@@ -7660,7 +7746,7 @@
             <a:pPr rtl="0"/>
             <a:fld id="{11A23688-9591-4EF3-A530-7FE5170C3C00}" type="datetime1">
               <a:rPr lang="it-IT" noProof="0" smtClean="0"/>
-              <a:t>18/06/2023</a:t>
+              <a:t>20/06/2023</a:t>
             </a:fld>
             <a:endParaRPr lang="it-IT" noProof="0" dirty="0"/>
           </a:p>
@@ -8425,7 +8511,7 @@
             <a:pPr rtl="0"/>
             <a:fld id="{4E20D590-E528-4BC1-B8EB-597060AE1F7D}" type="datetime1">
               <a:rPr lang="it-IT" noProof="0" smtClean="0"/>
-              <a:t>18/06/2023</a:t>
+              <a:t>20/06/2023</a:t>
             </a:fld>
             <a:endParaRPr lang="it-IT" noProof="0" dirty="0"/>
           </a:p>
@@ -10634,7 +10720,7 @@
             <a:pPr rtl="0"/>
             <a:fld id="{1F3CF12E-9173-44A8-814A-112EE129072B}" type="datetime1">
               <a:rPr lang="it-IT" noProof="0" smtClean="0"/>
-              <a:t>18/06/2023</a:t>
+              <a:t>20/06/2023</a:t>
             </a:fld>
             <a:endParaRPr lang="it-IT" noProof="0" dirty="0"/>
           </a:p>
@@ -11101,7 +11187,7 @@
             <a:pPr rtl="0"/>
             <a:fld id="{D77ECD8D-4CBC-4F87-9B81-461E59BB850D}" type="datetime1">
               <a:rPr lang="it-IT" noProof="0" smtClean="0"/>
-              <a:t>18/06/2023</a:t>
+              <a:t>20/06/2023</a:t>
             </a:fld>
             <a:endParaRPr lang="it-IT" noProof="0" dirty="0"/>
           </a:p>
@@ -12325,7 +12411,7 @@
             <a:pPr rtl="0"/>
             <a:fld id="{7C72A4C9-44D8-4234-9105-C00A73546380}" type="datetime1">
               <a:rPr lang="it-IT" noProof="0" smtClean="0"/>
-              <a:t>18/06/2023</a:t>
+              <a:t>20/06/2023</a:t>
             </a:fld>
             <a:endParaRPr lang="it-IT" noProof="0" dirty="0"/>
           </a:p>
@@ -14265,7 +14351,7 @@
             <a:pPr rtl="0"/>
             <a:fld id="{638F0F9B-5982-4B76-89AF-7B312F75D6AC}" type="datetime1">
               <a:rPr lang="it-IT" noProof="0" smtClean="0"/>
-              <a:t>18/06/2023</a:t>
+              <a:t>20/06/2023</a:t>
             </a:fld>
             <a:endParaRPr lang="it-IT" noProof="0" dirty="0"/>
           </a:p>
@@ -15808,7 +15894,7 @@
             <a:pPr rtl="0"/>
             <a:fld id="{FB88ED8D-966C-449C-A155-29CF05DEA53E}" type="datetime1">
               <a:rPr lang="it-IT" noProof="0" smtClean="0"/>
-              <a:t>18/06/2023</a:t>
+              <a:t>20/06/2023</a:t>
             </a:fld>
             <a:endParaRPr lang="it-IT" noProof="0" dirty="0"/>
           </a:p>
@@ -16432,7 +16518,7 @@
             <a:pPr rtl="0"/>
             <a:fld id="{D9C23702-FFEA-4536-8A8C-92E71DD86BC2}" type="datetime1">
               <a:rPr lang="it-IT" noProof="0" smtClean="0"/>
-              <a:t>18/06/2023</a:t>
+              <a:t>20/06/2023</a:t>
             </a:fld>
             <a:endParaRPr lang="it-IT" noProof="0" dirty="0"/>
           </a:p>
@@ -17375,7 +17461,7 @@
             <a:pPr rtl="0"/>
             <a:fld id="{1C9DBB51-AB7C-4509-8417-403D694CE264}" type="datetime1">
               <a:rPr lang="it-IT" noProof="0" smtClean="0"/>
-              <a:t>18/06/2023</a:t>
+              <a:t>20/06/2023</a:t>
             </a:fld>
             <a:endParaRPr lang="it-IT" noProof="0" dirty="0"/>
           </a:p>
@@ -17741,7 +17827,7 @@
             <a:pPr rtl="0"/>
             <a:fld id="{0C630F73-B11D-45AB-9701-6460186E6FB0}" type="datetime1">
               <a:rPr lang="it-IT" noProof="0" smtClean="0"/>
-              <a:t>18/06/2023</a:t>
+              <a:t>20/06/2023</a:t>
             </a:fld>
             <a:endParaRPr lang="it-IT" noProof="0" dirty="0"/>
           </a:p>
@@ -18637,7 +18723,7 @@
             <a:pPr rtl="0"/>
             <a:fld id="{04940BB7-9FDE-4AAA-A5FD-C97F6E91B726}" type="datetime1">
               <a:rPr lang="it-IT" noProof="0" smtClean="0"/>
-              <a:t>18/06/2023</a:t>
+              <a:t>20/06/2023</a:t>
             </a:fld>
             <a:endParaRPr lang="it-IT" noProof="0" dirty="0"/>
           </a:p>
@@ -19202,7 +19288,7 @@
             <a:pPr rtl="0"/>
             <a:fld id="{7B045D8B-6F52-44B7-BE50-855A21A746EC}" type="datetime1">
               <a:rPr lang="it-IT" noProof="0" smtClean="0"/>
-              <a:t>18/06/2023</a:t>
+              <a:t>20/06/2023</a:t>
             </a:fld>
             <a:endParaRPr lang="it-IT" noProof="0" dirty="0"/>
           </a:p>
@@ -20736,7 +20822,7 @@
             <a:pPr rtl="0"/>
             <a:fld id="{5FBA32CE-7840-4E0F-AB92-A7CBF53EE5B0}" type="datetime1">
               <a:rPr lang="it-IT" noProof="0" smtClean="0"/>
-              <a:t>18/06/2023</a:t>
+              <a:t>20/06/2023</a:t>
             </a:fld>
             <a:endParaRPr lang="it-IT" noProof="0" dirty="0"/>
           </a:p>
@@ -21232,7 +21318,7 @@
             <a:pPr rtl="0"/>
             <a:fld id="{E3ABD2B6-A3B6-480C-B2AF-8F63D94B24DC}" type="datetime1">
               <a:rPr lang="it-IT" noProof="0" smtClean="0"/>
-              <a:t>18/06/2023</a:t>
+              <a:t>20/06/2023</a:t>
             </a:fld>
             <a:endParaRPr lang="it-IT" noProof="0" dirty="0"/>
           </a:p>
@@ -21765,7 +21851,7 @@
             <a:pPr rtl="0"/>
             <a:fld id="{801D1506-0BC1-4188-AE6F-2A721642CED5}" type="datetime1">
               <a:rPr lang="it-IT" noProof="0" smtClean="0"/>
-              <a:t>18/06/2023</a:t>
+              <a:t>20/06/2023</a:t>
             </a:fld>
             <a:endParaRPr lang="it-IT" noProof="0" dirty="0"/>
           </a:p>
@@ -22118,7 +22204,7 @@
             <a:pPr rtl="0"/>
             <a:fld id="{872D687E-CC34-420A-AAF8-EDBA882E4CF1}" type="datetime1">
               <a:rPr lang="it-IT" noProof="0" smtClean="0"/>
-              <a:t>18/06/2023</a:t>
+              <a:t>20/06/2023</a:t>
             </a:fld>
             <a:endParaRPr lang="it-IT" noProof="0" dirty="0"/>
           </a:p>
@@ -22698,7 +22784,7 @@
             <a:pPr rtl="0"/>
             <a:fld id="{3E21D4B8-DBF5-4ACA-A8B6-1FCBD67F3645}" type="datetime1">
               <a:rPr lang="it-IT" noProof="0" smtClean="0"/>
-              <a:t>18/06/2023</a:t>
+              <a:t>20/06/2023</a:t>
             </a:fld>
             <a:endParaRPr lang="it-IT" noProof="0" dirty="0"/>
           </a:p>
@@ -23149,7 +23235,7 @@
             <a:pPr rtl="0"/>
             <a:fld id="{A34867F8-604B-4D2C-8EB5-6052D249C63F}" type="datetime1">
               <a:rPr lang="it-IT" noProof="0" smtClean="0"/>
-              <a:t>18/06/2023</a:t>
+              <a:t>20/06/2023</a:t>
             </a:fld>
             <a:endParaRPr lang="it-IT" noProof="0" dirty="0"/>
           </a:p>
@@ -23563,7 +23649,7 @@
             <a:pPr rtl="0"/>
             <a:fld id="{22558C94-89E8-4D40-91DF-3BDB5A0AD8B4}" type="datetime1">
               <a:rPr lang="it-IT" noProof="0" smtClean="0"/>
-              <a:t>18/06/2023</a:t>
+              <a:t>20/06/2023</a:t>
             </a:fld>
             <a:endParaRPr lang="it-IT" noProof="0" dirty="0"/>
           </a:p>
@@ -23827,7 +23913,7 @@
             <a:pPr rtl="0"/>
             <a:fld id="{60D6C15D-A48A-4866-B84F-6BF6B3936CDC}" type="datetime1">
               <a:rPr lang="it-IT" noProof="0" smtClean="0"/>
-              <a:t>18/06/2023</a:t>
+              <a:t>20/06/2023</a:t>
             </a:fld>
             <a:endParaRPr lang="it-IT" noProof="0" dirty="0"/>
           </a:p>
@@ -23946,7 +24032,7 @@
             <a:pPr rtl="0"/>
             <a:fld id="{E4BE54FF-D332-49E6-8D3A-A78A67491F5F}" type="datetime1">
               <a:rPr lang="it-IT" noProof="0" smtClean="0"/>
-              <a:t>18/06/2023</a:t>
+              <a:t>20/06/2023</a:t>
             </a:fld>
             <a:endParaRPr lang="it-IT" noProof="0" dirty="0"/>
           </a:p>
@@ -25769,7 +25855,7 @@
             <a:pPr rtl="0"/>
             <a:fld id="{E941158F-0978-4EF6-B15B-450EFC74762F}" type="datetime1">
               <a:rPr lang="it-IT" noProof="0" smtClean="0"/>
-              <a:t>18/06/2023</a:t>
+              <a:t>20/06/2023</a:t>
             </a:fld>
             <a:endParaRPr lang="it-IT" noProof="0" dirty="0"/>
           </a:p>
@@ -26237,7 +26323,7 @@
             <a:pPr rtl="0"/>
             <a:fld id="{1802048B-AF17-47A0-9EBE-ECB6F12A20B1}" type="datetime1">
               <a:rPr lang="it-IT" noProof="0" smtClean="0"/>
-              <a:t>18/06/2023</a:t>
+              <a:t>20/06/2023</a:t>
             </a:fld>
             <a:endParaRPr lang="it-IT" noProof="0" dirty="0"/>
           </a:p>
@@ -26604,7 +26690,7 @@
             <a:pPr rtl="0"/>
             <a:fld id="{F645E454-DDC7-47B1-8199-44FA208E08A0}" type="datetime1">
               <a:rPr lang="it-IT" noProof="0" smtClean="0"/>
-              <a:t>18/06/2023</a:t>
+              <a:t>20/06/2023</a:t>
             </a:fld>
             <a:endParaRPr lang="it-IT" noProof="0" dirty="0"/>
           </a:p>
@@ -27765,7 +27851,7 @@
             <a:pPr rtl="0"/>
             <a:fld id="{812C7FF1-5E61-4227-8753-FE05C575A914}" type="datetime1">
               <a:rPr lang="it-IT" noProof="0" smtClean="0"/>
-              <a:t>18/06/2023</a:t>
+              <a:t>20/06/2023</a:t>
             </a:fld>
             <a:endParaRPr lang="it-IT" noProof="0" dirty="0"/>
           </a:p>
@@ -28683,7 +28769,7 @@
             <a:pPr rtl="0"/>
             <a:fld id="{1445F5C1-5801-4E73-AA2B-8CC623EAE2E5}" type="datetime1">
               <a:rPr lang="it-IT" noProof="0" smtClean="0"/>
-              <a:t>18/06/2023</a:t>
+              <a:t>20/06/2023</a:t>
             </a:fld>
             <a:endParaRPr lang="it-IT" noProof="0" dirty="0"/>
           </a:p>
@@ -29049,7 +29135,7 @@
             <a:pPr rtl="0"/>
             <a:fld id="{A8E7F92B-8235-4054-80CC-6C23497170D4}" type="datetime1">
               <a:rPr lang="it-IT" noProof="0" smtClean="0"/>
-              <a:t>18/06/2023</a:t>
+              <a:t>20/06/2023</a:t>
             </a:fld>
             <a:endParaRPr lang="it-IT" noProof="0" dirty="0"/>
           </a:p>
@@ -29833,7 +29919,7 @@
             <a:pPr rtl="0"/>
             <a:fld id="{36CF8A07-0977-4292-B242-27132DE43635}" type="datetime1">
               <a:rPr lang="it-IT" noProof="0" smtClean="0"/>
-              <a:t>18/06/2023</a:t>
+              <a:t>20/06/2023</a:t>
             </a:fld>
             <a:endParaRPr lang="it-IT" noProof="0" dirty="0"/>
           </a:p>
@@ -32262,6 +32348,161 @@
     <p:extLst>
       <p:ext uri="{BB962C8B-B14F-4D97-AF65-F5344CB8AC3E}">
         <p14:creationId xmlns:p14="http://schemas.microsoft.com/office/powerpoint/2010/main" val="869918297"/>
+      </p:ext>
+    </p:extLst>
+  </p:cSld>
+  <p:clrMapOvr>
+    <a:masterClrMapping/>
+  </p:clrMapOvr>
+</p:sld>
+</file>
+
+<file path=ppt/slides/slide6.xml><?xml version="1.0" encoding="utf-8"?>
+<p:sld xmlns:a="http://schemas.openxmlformats.org/drawingml/2006/main" xmlns:r="http://schemas.openxmlformats.org/officeDocument/2006/relationships" xmlns:p="http://schemas.openxmlformats.org/presentationml/2006/main">
+  <p:cSld>
+    <p:spTree>
+      <p:nvGrpSpPr>
+        <p:cNvPr id="1" name=""/>
+        <p:cNvGrpSpPr/>
+        <p:nvPr/>
+      </p:nvGrpSpPr>
+      <p:grpSpPr>
+        <a:xfrm>
+          <a:off x="0" y="0"/>
+          <a:ext cx="0" cy="0"/>
+          <a:chOff x="0" y="0"/>
+          <a:chExt cx="0" cy="0"/>
+        </a:xfrm>
+      </p:grpSpPr>
+      <p:sp>
+        <p:nvSpPr>
+          <p:cNvPr id="3" name="Titolo 2">
+            <a:extLst>
+              <a:ext uri="{FF2B5EF4-FFF2-40B4-BE49-F238E27FC236}">
+                <a16:creationId xmlns:a16="http://schemas.microsoft.com/office/drawing/2014/main" id="{8EA7E572-F0AC-4962-AC8B-24DD8CD61D2D}"/>
+              </a:ext>
+            </a:extLst>
+          </p:cNvPr>
+          <p:cNvSpPr>
+            <a:spLocks noGrp="1"/>
+          </p:cNvSpPr>
+          <p:nvPr>
+            <p:ph type="title"/>
+          </p:nvPr>
+        </p:nvSpPr>
+        <p:spPr>
+          <a:xfrm>
+            <a:off x="6096000" y="1338470"/>
+            <a:ext cx="4585780" cy="1091078"/>
+          </a:xfrm>
+        </p:spPr>
+        <p:txBody>
+          <a:bodyPr rtlCol="0">
+            <a:normAutofit/>
+          </a:bodyPr>
+          <a:lstStyle/>
+          <a:p>
+            <a:pPr rtl="0"/>
+            <a:r>
+              <a:rPr lang="it-IT" sz="7200" dirty="0"/>
+              <a:t>GRAZIE!</a:t>
+            </a:r>
+          </a:p>
+        </p:txBody>
+      </p:sp>
+      <p:sp>
+        <p:nvSpPr>
+          <p:cNvPr id="5" name="Segnaposto data 4">
+            <a:extLst>
+              <a:ext uri="{FF2B5EF4-FFF2-40B4-BE49-F238E27FC236}">
+                <a16:creationId xmlns:a16="http://schemas.microsoft.com/office/drawing/2014/main" id="{D6EE098C-FABC-437A-B91C-78D731689CF3}"/>
+              </a:ext>
+            </a:extLst>
+          </p:cNvPr>
+          <p:cNvSpPr>
+            <a:spLocks noGrp="1"/>
+          </p:cNvSpPr>
+          <p:nvPr>
+            <p:ph type="dt" sz="half" idx="10"/>
+          </p:nvPr>
+        </p:nvSpPr>
+        <p:spPr/>
+        <p:txBody>
+          <a:bodyPr rtlCol="0"/>
+          <a:lstStyle/>
+          <a:p>
+            <a:pPr rtl="0"/>
+            <a:r>
+              <a:rPr lang="it-IT" dirty="0"/>
+              <a:t>20/06/2023</a:t>
+            </a:r>
+          </a:p>
+        </p:txBody>
+      </p:sp>
+      <p:sp>
+        <p:nvSpPr>
+          <p:cNvPr id="6" name="Segnaposto piè di pagina 5">
+            <a:extLst>
+              <a:ext uri="{FF2B5EF4-FFF2-40B4-BE49-F238E27FC236}">
+                <a16:creationId xmlns:a16="http://schemas.microsoft.com/office/drawing/2014/main" id="{49DC256C-2F66-47C7-8CAF-7030959759F7}"/>
+              </a:ext>
+            </a:extLst>
+          </p:cNvPr>
+          <p:cNvSpPr>
+            <a:spLocks noGrp="1"/>
+          </p:cNvSpPr>
+          <p:nvPr>
+            <p:ph type="ftr" sz="quarter" idx="11"/>
+          </p:nvPr>
+        </p:nvSpPr>
+        <p:spPr/>
+        <p:txBody>
+          <a:bodyPr rtlCol="0"/>
+          <a:lstStyle/>
+          <a:p>
+            <a:pPr rtl="0"/>
+            <a:r>
+              <a:rPr lang="it-IT" dirty="0"/>
+              <a:t>Daniele Ricciardi</a:t>
+            </a:r>
+          </a:p>
+        </p:txBody>
+      </p:sp>
+      <p:sp>
+        <p:nvSpPr>
+          <p:cNvPr id="7" name="Segnaposto numero diapositiva 6">
+            <a:extLst>
+              <a:ext uri="{FF2B5EF4-FFF2-40B4-BE49-F238E27FC236}">
+                <a16:creationId xmlns:a16="http://schemas.microsoft.com/office/drawing/2014/main" id="{ECD7B63F-6F62-46FC-8E6A-512867B9E479}"/>
+              </a:ext>
+            </a:extLst>
+          </p:cNvPr>
+          <p:cNvSpPr>
+            <a:spLocks noGrp="1"/>
+          </p:cNvSpPr>
+          <p:nvPr>
+            <p:ph type="sldNum" sz="quarter" idx="12"/>
+          </p:nvPr>
+        </p:nvSpPr>
+        <p:spPr/>
+        <p:txBody>
+          <a:bodyPr rtlCol="0"/>
+          <a:lstStyle/>
+          <a:p>
+            <a:pPr rtl="0"/>
+            <a:fld id="{4950F5D8-22E1-4015-8661-E5B1FD28C2DE}" type="slidenum">
+              <a:rPr lang="it-IT" smtClean="0"/>
+              <a:pPr rtl="0"/>
+              <a:t>6</a:t>
+            </a:fld>
+            <a:endParaRPr lang="it-IT" dirty="0"/>
+          </a:p>
+        </p:txBody>
+      </p:sp>
+    </p:spTree>
+    <p:extLst>
+      <p:ext uri="{BB962C8B-B14F-4D97-AF65-F5344CB8AC3E}">
+        <p14:creationId xmlns:p14="http://schemas.microsoft.com/office/powerpoint/2010/main" val="2414206982"/>
       </p:ext>
     </p:extLst>
   </p:cSld>
@@ -33306,21 +33547,21 @@
 </file>
 
 <file path=customXml/item2.xml><?xml version="1.0" encoding="utf-8"?>
+<p:properties xmlns:p="http://schemas.microsoft.com/office/2006/metadata/properties" xmlns:xsi="http://www.w3.org/2001/XMLSchema-instance" xmlns:pc="http://schemas.microsoft.com/office/infopath/2007/PartnerControls">
+  <documentManagement>
+    <_ip_UnifiedCompliancePolicyUIAction xmlns="http://schemas.microsoft.com/sharepoint/v3" xsi:nil="true"/>
+    <_ip_UnifiedCompliancePolicyProperties xmlns="http://schemas.microsoft.com/sharepoint/v3" xsi:nil="true"/>
+  </documentManagement>
+</p:properties>
+</file>
+
+<file path=customXml/item3.xml><?xml version="1.0" encoding="utf-8"?>
 <?mso-contentType ?>
 <FormTemplates xmlns="http://schemas.microsoft.com/sharepoint/v3/contenttype/forms">
   <Display>DocumentLibraryForm</Display>
   <Edit>DocumentLibraryForm</Edit>
   <New>DocumentLibraryForm</New>
 </FormTemplates>
-</file>
-
-<file path=customXml/item3.xml><?xml version="1.0" encoding="utf-8"?>
-<p:properties xmlns:p="http://schemas.microsoft.com/office/2006/metadata/properties" xmlns:xsi="http://www.w3.org/2001/XMLSchema-instance" xmlns:pc="http://schemas.microsoft.com/office/infopath/2007/PartnerControls">
-  <documentManagement>
-    <_ip_UnifiedCompliancePolicyUIAction xmlns="http://schemas.microsoft.com/sharepoint/v3" xsi:nil="true"/>
-    <_ip_UnifiedCompliancePolicyProperties xmlns="http://schemas.microsoft.com/sharepoint/v3" xsi:nil="true"/>
-  </documentManagement>
-</p:properties>
 </file>
 
 <file path=customXml/itemProps1.xml><?xml version="1.0" encoding="utf-8"?>
@@ -33344,14 +33585,6 @@
 </file>
 
 <file path=customXml/itemProps2.xml><?xml version="1.0" encoding="utf-8"?>
-<ds:datastoreItem xmlns:ds="http://schemas.openxmlformats.org/officeDocument/2006/customXml" ds:itemID="{11E645E5-0105-4597-A6C9-FF428BAEF1DD}">
-  <ds:schemaRefs>
-    <ds:schemaRef ds:uri="http://schemas.microsoft.com/sharepoint/v3/contenttype/forms"/>
-  </ds:schemaRefs>
-</ds:datastoreItem>
-</file>
-
-<file path=customXml/itemProps3.xml><?xml version="1.0" encoding="utf-8"?>
 <ds:datastoreItem xmlns:ds="http://schemas.openxmlformats.org/officeDocument/2006/customXml" ds:itemID="{1231B41D-C4DE-41D5-B883-BFE1CC1FFE9C}">
   <ds:schemaRefs>
     <ds:schemaRef ds:uri="http://schemas.microsoft.com/sharepoint/v3"/>
@@ -33367,4 +33600,12 @@
     <ds:schemaRef ds:uri="http://purl.org/dc/dcmitype/"/>
   </ds:schemaRefs>
 </ds:datastoreItem>
+</file>
+
+<file path=customXml/itemProps3.xml><?xml version="1.0" encoding="utf-8"?>
+<ds:datastoreItem xmlns:ds="http://schemas.openxmlformats.org/officeDocument/2006/customXml" ds:itemID="{11E645E5-0105-4597-A6C9-FF428BAEF1DD}">
+  <ds:schemaRefs>
+    <ds:schemaRef ds:uri="http://schemas.microsoft.com/sharepoint/v3/contenttype/forms"/>
+  </ds:schemaRefs>
+</ds:datastoreItem>
 </file>